--- a/fish_colors.pptx
+++ b/fish_colors.pptx
@@ -126,6 +126,50 @@
 </p:presentation>
 </file>
 
+<file path=ppt/changesInfos/changesInfo1.xml><?xml version="1.0" encoding="utf-8"?>
+<pc:chgInfo xmlns:a="http://schemas.openxmlformats.org/drawingml/2006/main" xmlns:r="http://schemas.openxmlformats.org/officeDocument/2006/relationships" xmlns:ac="http://schemas.microsoft.com/office/drawing/2013/main/command" xmlns:pc="http://schemas.microsoft.com/office/powerpoint/2013/main/command">
+  <pc:docChgLst>
+    <pc:chgData name="Elliott Schmidt" userId="7d7bc755-a82b-4542-b81e-1920d1eab289" providerId="ADAL" clId="{47D066A0-6E97-4A43-91E8-D2720E75F930}"/>
+    <pc:docChg chg="modSld">
+      <pc:chgData name="Elliott Schmidt" userId="7d7bc755-a82b-4542-b81e-1920d1eab289" providerId="ADAL" clId="{47D066A0-6E97-4A43-91E8-D2720E75F930}" dt="2024-01-29T04:49:51.919" v="2" actId="207"/>
+      <pc:docMkLst>
+        <pc:docMk/>
+      </pc:docMkLst>
+      <pc:sldChg chg="modSp mod">
+        <pc:chgData name="Elliott Schmidt" userId="7d7bc755-a82b-4542-b81e-1920d1eab289" providerId="ADAL" clId="{47D066A0-6E97-4A43-91E8-D2720E75F930}" dt="2024-01-29T04:49:28.615" v="0" actId="207"/>
+        <pc:sldMkLst>
+          <pc:docMk/>
+          <pc:sldMk cId="10921595" sldId="257"/>
+        </pc:sldMkLst>
+        <pc:spChg chg="mod">
+          <ac:chgData name="Elliott Schmidt" userId="7d7bc755-a82b-4542-b81e-1920d1eab289" providerId="ADAL" clId="{47D066A0-6E97-4A43-91E8-D2720E75F930}" dt="2024-01-29T04:49:28.615" v="0" actId="207"/>
+          <ac:spMkLst>
+            <pc:docMk/>
+            <pc:sldMk cId="10921595" sldId="257"/>
+            <ac:spMk id="4" creationId="{E170454E-13DE-6567-DBAD-0556B7E3B298}"/>
+          </ac:spMkLst>
+        </pc:spChg>
+      </pc:sldChg>
+      <pc:sldChg chg="modSp mod">
+        <pc:chgData name="Elliott Schmidt" userId="7d7bc755-a82b-4542-b81e-1920d1eab289" providerId="ADAL" clId="{47D066A0-6E97-4A43-91E8-D2720E75F930}" dt="2024-01-29T04:49:51.919" v="2" actId="207"/>
+        <pc:sldMkLst>
+          <pc:docMk/>
+          <pc:sldMk cId="1698786569" sldId="258"/>
+        </pc:sldMkLst>
+        <pc:spChg chg="mod">
+          <ac:chgData name="Elliott Schmidt" userId="7d7bc755-a82b-4542-b81e-1920d1eab289" providerId="ADAL" clId="{47D066A0-6E97-4A43-91E8-D2720E75F930}" dt="2024-01-29T04:49:51.919" v="2" actId="207"/>
+          <ac:spMkLst>
+            <pc:docMk/>
+            <pc:sldMk cId="1698786569" sldId="258"/>
+            <ac:spMk id="4" creationId="{E170454E-13DE-6567-DBAD-0556B7E3B298}"/>
+          </ac:spMkLst>
+        </pc:spChg>
+      </pc:sldChg>
+    </pc:docChg>
+  </pc:docChgLst>
+</pc:chgInfo>
+</file>
+
 <file path=ppt/slideLayouts/slideLayout1.xml><?xml version="1.0" encoding="utf-8"?>
 <p:sldLayout xmlns:a="http://schemas.openxmlformats.org/drawingml/2006/main" xmlns:r="http://schemas.openxmlformats.org/officeDocument/2006/relationships" xmlns:p="http://schemas.openxmlformats.org/presentationml/2006/main" type="title" preserve="1">
   <p:cSld name="Title Slide">
@@ -275,7 +319,7 @@
           <a:p>
             <a:fld id="{0E54B504-489F-440D-9D1F-814B0344983C}" type="datetimeFigureOut">
               <a:rPr lang="en-AU" smtClean="0"/>
-              <a:t>19/12/2023</a:t>
+              <a:t>29/01/2024</a:t>
             </a:fld>
             <a:endParaRPr lang="en-AU"/>
           </a:p>
@@ -475,7 +519,7 @@
           <a:p>
             <a:fld id="{0E54B504-489F-440D-9D1F-814B0344983C}" type="datetimeFigureOut">
               <a:rPr lang="en-AU" smtClean="0"/>
-              <a:t>19/12/2023</a:t>
+              <a:t>29/01/2024</a:t>
             </a:fld>
             <a:endParaRPr lang="en-AU"/>
           </a:p>
@@ -685,7 +729,7 @@
           <a:p>
             <a:fld id="{0E54B504-489F-440D-9D1F-814B0344983C}" type="datetimeFigureOut">
               <a:rPr lang="en-AU" smtClean="0"/>
-              <a:t>19/12/2023</a:t>
+              <a:t>29/01/2024</a:t>
             </a:fld>
             <a:endParaRPr lang="en-AU"/>
           </a:p>
@@ -885,7 +929,7 @@
           <a:p>
             <a:fld id="{0E54B504-489F-440D-9D1F-814B0344983C}" type="datetimeFigureOut">
               <a:rPr lang="en-AU" smtClean="0"/>
-              <a:t>19/12/2023</a:t>
+              <a:t>29/01/2024</a:t>
             </a:fld>
             <a:endParaRPr lang="en-AU"/>
           </a:p>
@@ -1161,7 +1205,7 @@
           <a:p>
             <a:fld id="{0E54B504-489F-440D-9D1F-814B0344983C}" type="datetimeFigureOut">
               <a:rPr lang="en-AU" smtClean="0"/>
-              <a:t>19/12/2023</a:t>
+              <a:t>29/01/2024</a:t>
             </a:fld>
             <a:endParaRPr lang="en-AU"/>
           </a:p>
@@ -1429,7 +1473,7 @@
           <a:p>
             <a:fld id="{0E54B504-489F-440D-9D1F-814B0344983C}" type="datetimeFigureOut">
               <a:rPr lang="en-AU" smtClean="0"/>
-              <a:t>19/12/2023</a:t>
+              <a:t>29/01/2024</a:t>
             </a:fld>
             <a:endParaRPr lang="en-AU"/>
           </a:p>
@@ -1844,7 +1888,7 @@
           <a:p>
             <a:fld id="{0E54B504-489F-440D-9D1F-814B0344983C}" type="datetimeFigureOut">
               <a:rPr lang="en-AU" smtClean="0"/>
-              <a:t>19/12/2023</a:t>
+              <a:t>29/01/2024</a:t>
             </a:fld>
             <a:endParaRPr lang="en-AU"/>
           </a:p>
@@ -1986,7 +2030,7 @@
           <a:p>
             <a:fld id="{0E54B504-489F-440D-9D1F-814B0344983C}" type="datetimeFigureOut">
               <a:rPr lang="en-AU" smtClean="0"/>
-              <a:t>19/12/2023</a:t>
+              <a:t>29/01/2024</a:t>
             </a:fld>
             <a:endParaRPr lang="en-AU"/>
           </a:p>
@@ -2099,7 +2143,7 @@
           <a:p>
             <a:fld id="{0E54B504-489F-440D-9D1F-814B0344983C}" type="datetimeFigureOut">
               <a:rPr lang="en-AU" smtClean="0"/>
-              <a:t>19/12/2023</a:t>
+              <a:t>29/01/2024</a:t>
             </a:fld>
             <a:endParaRPr lang="en-AU"/>
           </a:p>
@@ -2412,7 +2456,7 @@
           <a:p>
             <a:fld id="{0E54B504-489F-440D-9D1F-814B0344983C}" type="datetimeFigureOut">
               <a:rPr lang="en-AU" smtClean="0"/>
-              <a:t>19/12/2023</a:t>
+              <a:t>29/01/2024</a:t>
             </a:fld>
             <a:endParaRPr lang="en-AU"/>
           </a:p>
@@ -2701,7 +2745,7 @@
           <a:p>
             <a:fld id="{0E54B504-489F-440D-9D1F-814B0344983C}" type="datetimeFigureOut">
               <a:rPr lang="en-AU" smtClean="0"/>
-              <a:t>19/12/2023</a:t>
+              <a:t>29/01/2024</a:t>
             </a:fld>
             <a:endParaRPr lang="en-AU"/>
           </a:p>
@@ -2944,7 +2988,7 @@
           <a:p>
             <a:fld id="{0E54B504-489F-440D-9D1F-814B0344983C}" type="datetimeFigureOut">
               <a:rPr lang="en-AU" smtClean="0"/>
-              <a:t>19/12/2023</a:t>
+              <a:t>29/01/2024</a:t>
             </a:fld>
             <a:endParaRPr lang="en-AU"/>
           </a:p>
@@ -3546,7 +3590,7 @@
             <a:avLst/>
           </a:prstGeom>
           <a:solidFill>
-            <a:srgbClr val="C65C1B"/>
+            <a:srgbClr val="AB5311"/>
           </a:solidFill>
         </p:spPr>
         <p:style>
@@ -3625,8 +3669,13 @@
             <a:avLst/>
           </a:prstGeom>
           <a:solidFill>
-            <a:srgbClr val="5D79FF"/>
+            <a:srgbClr val="07AFF2"/>
           </a:solidFill>
+          <a:ln>
+            <a:solidFill>
+              <a:srgbClr val="07AFF2"/>
+            </a:solidFill>
+          </a:ln>
         </p:spPr>
         <p:style>
           <a:lnRef idx="2">

--- a/fish_colors.pptx
+++ b/fish_colors.pptx
@@ -9,6 +9,10 @@
     <p:sldId id="257" r:id="rId3"/>
     <p:sldId id="258" r:id="rId4"/>
     <p:sldId id="259" r:id="rId5"/>
+    <p:sldId id="261" r:id="rId6"/>
+    <p:sldId id="260" r:id="rId7"/>
+    <p:sldId id="262" r:id="rId8"/>
+    <p:sldId id="263" r:id="rId9"/>
   </p:sldIdLst>
   <p:sldSz cx="12192000" cy="6858000"/>
   <p:notesSz cx="6858000" cy="9144000"/>
@@ -126,12 +130,20 @@
 </p:presentation>
 </file>
 
+<file path=ppt/revisionInfo.xml><?xml version="1.0" encoding="utf-8"?>
+<p1510:revInfo xmlns:a="http://schemas.openxmlformats.org/drawingml/2006/main" xmlns:r="http://schemas.openxmlformats.org/officeDocument/2006/relationships" xmlns:p1510="http://schemas.microsoft.com/office/powerpoint/2015/10/main">
+  <p1510:revLst>
+    <p1510:client id="{47D066A0-6E97-4A43-91E8-D2720E75F930}" v="16" dt="2024-02-02T06:27:55.117"/>
+  </p1510:revLst>
+</p1510:revInfo>
+</file>
+
 <file path=ppt/changesInfos/changesInfo1.xml><?xml version="1.0" encoding="utf-8"?>
 <pc:chgInfo xmlns:a="http://schemas.openxmlformats.org/drawingml/2006/main" xmlns:r="http://schemas.openxmlformats.org/officeDocument/2006/relationships" xmlns:ac="http://schemas.microsoft.com/office/drawing/2013/main/command" xmlns:pc="http://schemas.microsoft.com/office/powerpoint/2013/main/command">
   <pc:docChgLst>
     <pc:chgData name="Elliott Schmidt" userId="7d7bc755-a82b-4542-b81e-1920d1eab289" providerId="ADAL" clId="{47D066A0-6E97-4A43-91E8-D2720E75F930}"/>
-    <pc:docChg chg="modSld">
-      <pc:chgData name="Elliott Schmidt" userId="7d7bc755-a82b-4542-b81e-1920d1eab289" providerId="ADAL" clId="{47D066A0-6E97-4A43-91E8-D2720E75F930}" dt="2024-01-29T04:49:51.919" v="2" actId="207"/>
+    <pc:docChg chg="addSld modSld sldOrd">
+      <pc:chgData name="Elliott Schmidt" userId="7d7bc755-a82b-4542-b81e-1920d1eab289" providerId="ADAL" clId="{47D066A0-6E97-4A43-91E8-D2720E75F930}" dt="2024-02-02T06:27:55.117" v="25" actId="1076"/>
       <pc:docMkLst>
         <pc:docMk/>
       </pc:docMkLst>
@@ -165,6 +177,74 @@
           </ac:spMkLst>
         </pc:spChg>
       </pc:sldChg>
+      <pc:sldChg chg="addSp modSp new mod ord setBg">
+        <pc:chgData name="Elliott Schmidt" userId="7d7bc755-a82b-4542-b81e-1920d1eab289" providerId="ADAL" clId="{47D066A0-6E97-4A43-91E8-D2720E75F930}" dt="2024-02-02T06:13:46.222" v="10"/>
+        <pc:sldMkLst>
+          <pc:docMk/>
+          <pc:sldMk cId="4083900674" sldId="260"/>
+        </pc:sldMkLst>
+        <pc:picChg chg="add mod">
+          <ac:chgData name="Elliott Schmidt" userId="7d7bc755-a82b-4542-b81e-1920d1eab289" providerId="ADAL" clId="{47D066A0-6E97-4A43-91E8-D2720E75F930}" dt="2024-02-02T06:13:36.078" v="8" actId="14100"/>
+          <ac:picMkLst>
+            <pc:docMk/>
+            <pc:sldMk cId="4083900674" sldId="260"/>
+            <ac:picMk id="3" creationId="{09960699-A13A-44C8-361B-E0CA2BD21A75}"/>
+          </ac:picMkLst>
+        </pc:picChg>
+      </pc:sldChg>
+      <pc:sldChg chg="add">
+        <pc:chgData name="Elliott Schmidt" userId="7d7bc755-a82b-4542-b81e-1920d1eab289" providerId="ADAL" clId="{47D066A0-6E97-4A43-91E8-D2720E75F930}" dt="2024-02-02T06:03:18.307" v="4"/>
+        <pc:sldMkLst>
+          <pc:docMk/>
+          <pc:sldMk cId="3785789813" sldId="261"/>
+        </pc:sldMkLst>
+      </pc:sldChg>
+      <pc:sldChg chg="addSp modSp new">
+        <pc:chgData name="Elliott Schmidt" userId="7d7bc755-a82b-4542-b81e-1920d1eab289" providerId="ADAL" clId="{47D066A0-6E97-4A43-91E8-D2720E75F930}" dt="2024-02-02T06:14:50.790" v="14" actId="1076"/>
+        <pc:sldMkLst>
+          <pc:docMk/>
+          <pc:sldMk cId="1024786878" sldId="262"/>
+        </pc:sldMkLst>
+        <pc:picChg chg="add mod">
+          <ac:chgData name="Elliott Schmidt" userId="7d7bc755-a82b-4542-b81e-1920d1eab289" providerId="ADAL" clId="{47D066A0-6E97-4A43-91E8-D2720E75F930}" dt="2024-02-02T06:14:50.790" v="14" actId="1076"/>
+          <ac:picMkLst>
+            <pc:docMk/>
+            <pc:sldMk cId="1024786878" sldId="262"/>
+            <ac:picMk id="1026" creationId="{46389120-2F01-832B-2DDC-06DC662E6B35}"/>
+          </ac:picMkLst>
+        </pc:picChg>
+      </pc:sldChg>
+      <pc:sldChg chg="addSp delSp modSp add">
+        <pc:chgData name="Elliott Schmidt" userId="7d7bc755-a82b-4542-b81e-1920d1eab289" providerId="ADAL" clId="{47D066A0-6E97-4A43-91E8-D2720E75F930}" dt="2024-02-02T06:27:55.117" v="25" actId="1076"/>
+        <pc:sldMkLst>
+          <pc:docMk/>
+          <pc:sldMk cId="3820693602" sldId="263"/>
+        </pc:sldMkLst>
+        <pc:picChg chg="del">
+          <ac:chgData name="Elliott Schmidt" userId="7d7bc755-a82b-4542-b81e-1920d1eab289" providerId="ADAL" clId="{47D066A0-6E97-4A43-91E8-D2720E75F930}" dt="2024-02-02T06:15:04.030" v="16" actId="478"/>
+          <ac:picMkLst>
+            <pc:docMk/>
+            <pc:sldMk cId="3820693602" sldId="263"/>
+            <ac:picMk id="1026" creationId="{46389120-2F01-832B-2DDC-06DC662E6B35}"/>
+          </ac:picMkLst>
+        </pc:picChg>
+        <pc:picChg chg="add mod">
+          <ac:chgData name="Elliott Schmidt" userId="7d7bc755-a82b-4542-b81e-1920d1eab289" providerId="ADAL" clId="{47D066A0-6E97-4A43-91E8-D2720E75F930}" dt="2024-02-02T06:27:55.117" v="25" actId="1076"/>
+          <ac:picMkLst>
+            <pc:docMk/>
+            <pc:sldMk cId="3820693602" sldId="263"/>
+            <ac:picMk id="3074" creationId="{0A50E4BB-E24B-28B3-B78E-4B5ECF229BE0}"/>
+          </ac:picMkLst>
+        </pc:picChg>
+        <pc:picChg chg="add mod">
+          <ac:chgData name="Elliott Schmidt" userId="7d7bc755-a82b-4542-b81e-1920d1eab289" providerId="ADAL" clId="{47D066A0-6E97-4A43-91E8-D2720E75F930}" dt="2024-02-02T06:17:36.337" v="24" actId="1076"/>
+          <ac:picMkLst>
+            <pc:docMk/>
+            <pc:sldMk cId="3820693602" sldId="263"/>
+            <ac:picMk id="3076" creationId="{0154462F-469D-F352-CB48-225F901D9134}"/>
+          </ac:picMkLst>
+        </pc:picChg>
+      </pc:sldChg>
     </pc:docChg>
   </pc:docChgLst>
 </pc:chgInfo>
@@ -319,7 +399,7 @@
           <a:p>
             <a:fld id="{0E54B504-489F-440D-9D1F-814B0344983C}" type="datetimeFigureOut">
               <a:rPr lang="en-AU" smtClean="0"/>
-              <a:t>29/01/2024</a:t>
+              <a:t>2/02/2024</a:t>
             </a:fld>
             <a:endParaRPr lang="en-AU"/>
           </a:p>
@@ -519,7 +599,7 @@
           <a:p>
             <a:fld id="{0E54B504-489F-440D-9D1F-814B0344983C}" type="datetimeFigureOut">
               <a:rPr lang="en-AU" smtClean="0"/>
-              <a:t>29/01/2024</a:t>
+              <a:t>2/02/2024</a:t>
             </a:fld>
             <a:endParaRPr lang="en-AU"/>
           </a:p>
@@ -729,7 +809,7 @@
           <a:p>
             <a:fld id="{0E54B504-489F-440D-9D1F-814B0344983C}" type="datetimeFigureOut">
               <a:rPr lang="en-AU" smtClean="0"/>
-              <a:t>29/01/2024</a:t>
+              <a:t>2/02/2024</a:t>
             </a:fld>
             <a:endParaRPr lang="en-AU"/>
           </a:p>
@@ -929,7 +1009,7 @@
           <a:p>
             <a:fld id="{0E54B504-489F-440D-9D1F-814B0344983C}" type="datetimeFigureOut">
               <a:rPr lang="en-AU" smtClean="0"/>
-              <a:t>29/01/2024</a:t>
+              <a:t>2/02/2024</a:t>
             </a:fld>
             <a:endParaRPr lang="en-AU"/>
           </a:p>
@@ -1205,7 +1285,7 @@
           <a:p>
             <a:fld id="{0E54B504-489F-440D-9D1F-814B0344983C}" type="datetimeFigureOut">
               <a:rPr lang="en-AU" smtClean="0"/>
-              <a:t>29/01/2024</a:t>
+              <a:t>2/02/2024</a:t>
             </a:fld>
             <a:endParaRPr lang="en-AU"/>
           </a:p>
@@ -1473,7 +1553,7 @@
           <a:p>
             <a:fld id="{0E54B504-489F-440D-9D1F-814B0344983C}" type="datetimeFigureOut">
               <a:rPr lang="en-AU" smtClean="0"/>
-              <a:t>29/01/2024</a:t>
+              <a:t>2/02/2024</a:t>
             </a:fld>
             <a:endParaRPr lang="en-AU"/>
           </a:p>
@@ -1888,7 +1968,7 @@
           <a:p>
             <a:fld id="{0E54B504-489F-440D-9D1F-814B0344983C}" type="datetimeFigureOut">
               <a:rPr lang="en-AU" smtClean="0"/>
-              <a:t>29/01/2024</a:t>
+              <a:t>2/02/2024</a:t>
             </a:fld>
             <a:endParaRPr lang="en-AU"/>
           </a:p>
@@ -2030,7 +2110,7 @@
           <a:p>
             <a:fld id="{0E54B504-489F-440D-9D1F-814B0344983C}" type="datetimeFigureOut">
               <a:rPr lang="en-AU" smtClean="0"/>
-              <a:t>29/01/2024</a:t>
+              <a:t>2/02/2024</a:t>
             </a:fld>
             <a:endParaRPr lang="en-AU"/>
           </a:p>
@@ -2143,7 +2223,7 @@
           <a:p>
             <a:fld id="{0E54B504-489F-440D-9D1F-814B0344983C}" type="datetimeFigureOut">
               <a:rPr lang="en-AU" smtClean="0"/>
-              <a:t>29/01/2024</a:t>
+              <a:t>2/02/2024</a:t>
             </a:fld>
             <a:endParaRPr lang="en-AU"/>
           </a:p>
@@ -2456,7 +2536,7 @@
           <a:p>
             <a:fld id="{0E54B504-489F-440D-9D1F-814B0344983C}" type="datetimeFigureOut">
               <a:rPr lang="en-AU" smtClean="0"/>
-              <a:t>29/01/2024</a:t>
+              <a:t>2/02/2024</a:t>
             </a:fld>
             <a:endParaRPr lang="en-AU"/>
           </a:p>
@@ -2745,7 +2825,7 @@
           <a:p>
             <a:fld id="{0E54B504-489F-440D-9D1F-814B0344983C}" type="datetimeFigureOut">
               <a:rPr lang="en-AU" smtClean="0"/>
-              <a:t>29/01/2024</a:t>
+              <a:t>2/02/2024</a:t>
             </a:fld>
             <a:endParaRPr lang="en-AU"/>
           </a:p>
@@ -2988,7 +3068,7 @@
           <a:p>
             <a:fld id="{0E54B504-489F-440D-9D1F-814B0344983C}" type="datetimeFigureOut">
               <a:rPr lang="en-AU" smtClean="0"/>
-              <a:t>29/01/2024</a:t>
+              <a:t>2/02/2024</a:t>
             </a:fld>
             <a:endParaRPr lang="en-AU"/>
           </a:p>
@@ -3866,6 +3946,402 @@
 </p:sld>
 </file>
 
+<file path=ppt/slides/slide5.xml><?xml version="1.0" encoding="utf-8"?>
+<p:sld xmlns:a="http://schemas.openxmlformats.org/drawingml/2006/main" xmlns:r="http://schemas.openxmlformats.org/officeDocument/2006/relationships" xmlns:p="http://schemas.openxmlformats.org/presentationml/2006/main">
+  <p:cSld>
+    <p:spTree>
+      <p:nvGrpSpPr>
+        <p:cNvPr id="1" name=""/>
+        <p:cNvGrpSpPr/>
+        <p:nvPr/>
+      </p:nvGrpSpPr>
+      <p:grpSpPr>
+        <a:xfrm>
+          <a:off x="0" y="0"/>
+          <a:ext cx="0" cy="0"/>
+          <a:chOff x="0" y="0"/>
+          <a:chExt cx="0" cy="0"/>
+        </a:xfrm>
+      </p:grpSpPr>
+      <p:sp>
+        <p:nvSpPr>
+          <p:cNvPr id="2" name="Title 1">
+            <a:extLst>
+              <a:ext uri="{FF2B5EF4-FFF2-40B4-BE49-F238E27FC236}">
+                <a16:creationId xmlns:a16="http://schemas.microsoft.com/office/drawing/2014/main" id="{572953D8-07B0-423F-9F73-078BEBACA6FF}"/>
+              </a:ext>
+            </a:extLst>
+          </p:cNvPr>
+          <p:cNvSpPr>
+            <a:spLocks noGrp="1"/>
+          </p:cNvSpPr>
+          <p:nvPr>
+            <p:ph type="ctrTitle"/>
+          </p:nvPr>
+        </p:nvSpPr>
+        <p:spPr/>
+        <p:txBody>
+          <a:bodyPr/>
+          <a:lstStyle/>
+          <a:p>
+            <a:endParaRPr lang="en-AU"/>
+          </a:p>
+        </p:txBody>
+      </p:sp>
+      <p:sp>
+        <p:nvSpPr>
+          <p:cNvPr id="3" name="Subtitle 2">
+            <a:extLst>
+              <a:ext uri="{FF2B5EF4-FFF2-40B4-BE49-F238E27FC236}">
+                <a16:creationId xmlns:a16="http://schemas.microsoft.com/office/drawing/2014/main" id="{113162C5-D747-9FC2-32EC-7913C62DD28F}"/>
+              </a:ext>
+            </a:extLst>
+          </p:cNvPr>
+          <p:cNvSpPr>
+            <a:spLocks noGrp="1"/>
+          </p:cNvSpPr>
+          <p:nvPr>
+            <p:ph type="subTitle" idx="1"/>
+          </p:nvPr>
+        </p:nvSpPr>
+        <p:spPr/>
+        <p:txBody>
+          <a:bodyPr/>
+          <a:lstStyle/>
+          <a:p>
+            <a:endParaRPr lang="en-AU"/>
+          </a:p>
+        </p:txBody>
+      </p:sp>
+      <p:pic>
+        <p:nvPicPr>
+          <p:cNvPr id="1026" name="Picture 2" descr="Lemon damsel - Pomacentrus moluccensis | (EN) Lemon damsel -… | Flickr">
+            <a:extLst>
+              <a:ext uri="{FF2B5EF4-FFF2-40B4-BE49-F238E27FC236}">
+                <a16:creationId xmlns:a16="http://schemas.microsoft.com/office/drawing/2014/main" id="{C2A7194B-226D-025B-D60C-F190CE20D18A}"/>
+              </a:ext>
+            </a:extLst>
+          </p:cNvPr>
+          <p:cNvPicPr>
+            <a:picLocks noChangeAspect="1" noChangeArrowheads="1"/>
+          </p:cNvPicPr>
+          <p:nvPr/>
+        </p:nvPicPr>
+        <p:blipFill>
+          <a:blip r:embed="rId2">
+            <a:extLst>
+              <a:ext uri="{28A0092B-C50C-407E-A947-70E740481C1C}">
+                <a14:useLocalDpi xmlns:a14="http://schemas.microsoft.com/office/drawing/2010/main" val="0"/>
+              </a:ext>
+            </a:extLst>
+          </a:blip>
+          <a:srcRect/>
+          <a:stretch>
+            <a:fillRect/>
+          </a:stretch>
+        </p:blipFill>
+        <p:spPr bwMode="auto">
+          <a:xfrm>
+            <a:off x="-273629" y="-647324"/>
+            <a:ext cx="12465629" cy="8314574"/>
+          </a:xfrm>
+          <a:prstGeom prst="rect">
+            <a:avLst/>
+          </a:prstGeom>
+          <a:noFill/>
+          <a:extLst>
+            <a:ext uri="{909E8E84-426E-40DD-AFC4-6F175D3DCCD1}">
+              <a14:hiddenFill xmlns:a14="http://schemas.microsoft.com/office/drawing/2010/main">
+                <a:solidFill>
+                  <a:srgbClr val="FFFFFF"/>
+                </a:solidFill>
+              </a14:hiddenFill>
+            </a:ext>
+          </a:extLst>
+        </p:spPr>
+      </p:pic>
+    </p:spTree>
+    <p:extLst>
+      <p:ext uri="{BB962C8B-B14F-4D97-AF65-F5344CB8AC3E}">
+        <p14:creationId xmlns:p14="http://schemas.microsoft.com/office/powerpoint/2010/main" val="3785789813"/>
+      </p:ext>
+    </p:extLst>
+  </p:cSld>
+  <p:clrMapOvr>
+    <a:masterClrMapping/>
+  </p:clrMapOvr>
+</p:sld>
+</file>
+
+<file path=ppt/slides/slide6.xml><?xml version="1.0" encoding="utf-8"?>
+<p:sld xmlns:a="http://schemas.openxmlformats.org/drawingml/2006/main" xmlns:r="http://schemas.openxmlformats.org/officeDocument/2006/relationships" xmlns:p="http://schemas.openxmlformats.org/presentationml/2006/main">
+  <p:cSld>
+    <p:bg>
+      <p:bgPr>
+        <a:solidFill>
+          <a:schemeClr val="accent1">
+            <a:lumMod val="50000"/>
+          </a:schemeClr>
+        </a:solidFill>
+        <a:effectLst/>
+      </p:bgPr>
+    </p:bg>
+    <p:spTree>
+      <p:nvGrpSpPr>
+        <p:cNvPr id="1" name=""/>
+        <p:cNvGrpSpPr/>
+        <p:nvPr/>
+      </p:nvGrpSpPr>
+      <p:grpSpPr>
+        <a:xfrm>
+          <a:off x="0" y="0"/>
+          <a:ext cx="0" cy="0"/>
+          <a:chOff x="0" y="0"/>
+          <a:chExt cx="0" cy="0"/>
+        </a:xfrm>
+      </p:grpSpPr>
+      <p:pic>
+        <p:nvPicPr>
+          <p:cNvPr id="3" name="Picture 2">
+            <a:extLst>
+              <a:ext uri="{FF2B5EF4-FFF2-40B4-BE49-F238E27FC236}">
+                <a16:creationId xmlns:a16="http://schemas.microsoft.com/office/drawing/2014/main" id="{09960699-A13A-44C8-361B-E0CA2BD21A75}"/>
+              </a:ext>
+            </a:extLst>
+          </p:cNvPr>
+          <p:cNvPicPr>
+            <a:picLocks noChangeAspect="1"/>
+          </p:cNvPicPr>
+          <p:nvPr/>
+        </p:nvPicPr>
+        <p:blipFill>
+          <a:blip r:embed="rId2"/>
+          <a:stretch>
+            <a:fillRect/>
+          </a:stretch>
+        </p:blipFill>
+        <p:spPr>
+          <a:xfrm>
+            <a:off x="931333" y="-311845"/>
+            <a:ext cx="10329334" cy="7481690"/>
+          </a:xfrm>
+          <a:prstGeom prst="rect">
+            <a:avLst/>
+          </a:prstGeom>
+        </p:spPr>
+      </p:pic>
+    </p:spTree>
+    <p:extLst>
+      <p:ext uri="{BB962C8B-B14F-4D97-AF65-F5344CB8AC3E}">
+        <p14:creationId xmlns:p14="http://schemas.microsoft.com/office/powerpoint/2010/main" val="4083900674"/>
+      </p:ext>
+    </p:extLst>
+  </p:cSld>
+  <p:clrMapOvr>
+    <a:masterClrMapping/>
+  </p:clrMapOvr>
+</p:sld>
+</file>
+
+<file path=ppt/slides/slide7.xml><?xml version="1.0" encoding="utf-8"?>
+<p:sld xmlns:a="http://schemas.openxmlformats.org/drawingml/2006/main" xmlns:r="http://schemas.openxmlformats.org/officeDocument/2006/relationships" xmlns:p="http://schemas.openxmlformats.org/presentationml/2006/main">
+  <p:cSld>
+    <p:spTree>
+      <p:nvGrpSpPr>
+        <p:cNvPr id="1" name=""/>
+        <p:cNvGrpSpPr/>
+        <p:nvPr/>
+      </p:nvGrpSpPr>
+      <p:grpSpPr>
+        <a:xfrm>
+          <a:off x="0" y="0"/>
+          <a:ext cx="0" cy="0"/>
+          <a:chOff x="0" y="0"/>
+          <a:chExt cx="0" cy="0"/>
+        </a:xfrm>
+      </p:grpSpPr>
+      <p:pic>
+        <p:nvPicPr>
+          <p:cNvPr id="1026" name="Picture 2">
+            <a:extLst>
+              <a:ext uri="{FF2B5EF4-FFF2-40B4-BE49-F238E27FC236}">
+                <a16:creationId xmlns:a16="http://schemas.microsoft.com/office/drawing/2014/main" id="{46389120-2F01-832B-2DDC-06DC662E6B35}"/>
+              </a:ext>
+            </a:extLst>
+          </p:cNvPr>
+          <p:cNvPicPr>
+            <a:picLocks noChangeAspect="1" noChangeArrowheads="1"/>
+          </p:cNvPicPr>
+          <p:nvPr/>
+        </p:nvPicPr>
+        <p:blipFill>
+          <a:blip r:embed="rId2">
+            <a:extLst>
+              <a:ext uri="{28A0092B-C50C-407E-A947-70E740481C1C}">
+                <a14:useLocalDpi xmlns:a14="http://schemas.microsoft.com/office/drawing/2010/main" val="0"/>
+              </a:ext>
+            </a:extLst>
+          </a:blip>
+          <a:srcRect/>
+          <a:stretch>
+            <a:fillRect/>
+          </a:stretch>
+        </p:blipFill>
+        <p:spPr bwMode="auto">
+          <a:xfrm>
+            <a:off x="738555" y="-625059"/>
+            <a:ext cx="10480430" cy="7850210"/>
+          </a:xfrm>
+          <a:prstGeom prst="rect">
+            <a:avLst/>
+          </a:prstGeom>
+          <a:noFill/>
+          <a:extLst>
+            <a:ext uri="{909E8E84-426E-40DD-AFC4-6F175D3DCCD1}">
+              <a14:hiddenFill xmlns:a14="http://schemas.microsoft.com/office/drawing/2010/main">
+                <a:solidFill>
+                  <a:srgbClr val="FFFFFF"/>
+                </a:solidFill>
+              </a14:hiddenFill>
+            </a:ext>
+          </a:extLst>
+        </p:spPr>
+      </p:pic>
+    </p:spTree>
+    <p:extLst>
+      <p:ext uri="{BB962C8B-B14F-4D97-AF65-F5344CB8AC3E}">
+        <p14:creationId xmlns:p14="http://schemas.microsoft.com/office/powerpoint/2010/main" val="1024786878"/>
+      </p:ext>
+    </p:extLst>
+  </p:cSld>
+  <p:clrMapOvr>
+    <a:masterClrMapping/>
+  </p:clrMapOvr>
+</p:sld>
+</file>
+
+<file path=ppt/slides/slide8.xml><?xml version="1.0" encoding="utf-8"?>
+<p:sld xmlns:a="http://schemas.openxmlformats.org/drawingml/2006/main" xmlns:r="http://schemas.openxmlformats.org/officeDocument/2006/relationships" xmlns:p="http://schemas.openxmlformats.org/presentationml/2006/main">
+  <p:cSld>
+    <p:spTree>
+      <p:nvGrpSpPr>
+        <p:cNvPr id="1" name=""/>
+        <p:cNvGrpSpPr/>
+        <p:nvPr/>
+      </p:nvGrpSpPr>
+      <p:grpSpPr>
+        <a:xfrm>
+          <a:off x="0" y="0"/>
+          <a:ext cx="0" cy="0"/>
+          <a:chOff x="0" y="0"/>
+          <a:chExt cx="0" cy="0"/>
+        </a:xfrm>
+      </p:grpSpPr>
+      <p:pic>
+        <p:nvPicPr>
+          <p:cNvPr id="3074" name="Picture 2">
+            <a:extLst>
+              <a:ext uri="{FF2B5EF4-FFF2-40B4-BE49-F238E27FC236}">
+                <a16:creationId xmlns:a16="http://schemas.microsoft.com/office/drawing/2014/main" id="{0A50E4BB-E24B-28B3-B78E-4B5ECF229BE0}"/>
+              </a:ext>
+            </a:extLst>
+          </p:cNvPr>
+          <p:cNvPicPr>
+            <a:picLocks noChangeAspect="1" noChangeArrowheads="1"/>
+          </p:cNvPicPr>
+          <p:nvPr/>
+        </p:nvPicPr>
+        <p:blipFill rotWithShape="1">
+          <a:blip r:embed="rId2">
+            <a:extLst>
+              <a:ext uri="{28A0092B-C50C-407E-A947-70E740481C1C}">
+                <a14:useLocalDpi xmlns:a14="http://schemas.microsoft.com/office/drawing/2010/main" val="0"/>
+              </a:ext>
+            </a:extLst>
+          </a:blip>
+          <a:srcRect t="21875" b="21875"/>
+          <a:stretch/>
+        </p:blipFill>
+        <p:spPr bwMode="auto">
+          <a:xfrm>
+            <a:off x="9525" y="-76199"/>
+            <a:ext cx="12192000" cy="6858000"/>
+          </a:xfrm>
+          <a:prstGeom prst="rect">
+            <a:avLst/>
+          </a:prstGeom>
+          <a:noFill/>
+          <a:extLst>
+            <a:ext uri="{909E8E84-426E-40DD-AFC4-6F175D3DCCD1}">
+              <a14:hiddenFill xmlns:a14="http://schemas.microsoft.com/office/drawing/2010/main">
+                <a:solidFill>
+                  <a:srgbClr val="FFFFFF"/>
+                </a:solidFill>
+              </a14:hiddenFill>
+            </a:ext>
+          </a:extLst>
+        </p:spPr>
+      </p:pic>
+      <p:pic>
+        <p:nvPicPr>
+          <p:cNvPr id="3076" name="Picture 4" descr="Ostorhinchus doederleini">
+            <a:extLst>
+              <a:ext uri="{FF2B5EF4-FFF2-40B4-BE49-F238E27FC236}">
+                <a16:creationId xmlns:a16="http://schemas.microsoft.com/office/drawing/2014/main" id="{0154462F-469D-F352-CB48-225F901D9134}"/>
+              </a:ext>
+            </a:extLst>
+          </p:cNvPr>
+          <p:cNvPicPr>
+            <a:picLocks noChangeAspect="1" noChangeArrowheads="1"/>
+          </p:cNvPicPr>
+          <p:nvPr/>
+        </p:nvPicPr>
+        <p:blipFill>
+          <a:blip r:embed="rId3">
+            <a:extLst>
+              <a:ext uri="{28A0092B-C50C-407E-A947-70E740481C1C}">
+                <a14:useLocalDpi xmlns:a14="http://schemas.microsoft.com/office/drawing/2010/main" val="0"/>
+              </a:ext>
+            </a:extLst>
+          </a:blip>
+          <a:srcRect/>
+          <a:stretch>
+            <a:fillRect/>
+          </a:stretch>
+        </p:blipFill>
+        <p:spPr bwMode="auto">
+          <a:xfrm>
+            <a:off x="8601075" y="4768121"/>
+            <a:ext cx="3243263" cy="1889853"/>
+          </a:xfrm>
+          <a:prstGeom prst="rect">
+            <a:avLst/>
+          </a:prstGeom>
+          <a:noFill/>
+          <a:extLst>
+            <a:ext uri="{909E8E84-426E-40DD-AFC4-6F175D3DCCD1}">
+              <a14:hiddenFill xmlns:a14="http://schemas.microsoft.com/office/drawing/2010/main">
+                <a:solidFill>
+                  <a:srgbClr val="FFFFFF"/>
+                </a:solidFill>
+              </a14:hiddenFill>
+            </a:ext>
+          </a:extLst>
+        </p:spPr>
+      </p:pic>
+    </p:spTree>
+    <p:extLst>
+      <p:ext uri="{BB962C8B-B14F-4D97-AF65-F5344CB8AC3E}">
+        <p14:creationId xmlns:p14="http://schemas.microsoft.com/office/powerpoint/2010/main" val="3820693602"/>
+      </p:ext>
+    </p:extLst>
+  </p:cSld>
+  <p:clrMapOvr>
+    <a:masterClrMapping/>
+  </p:clrMapOvr>
+</p:sld>
+</file>
+
 <file path=ppt/theme/theme1.xml><?xml version="1.0" encoding="utf-8"?>
 <a:theme xmlns:a="http://schemas.openxmlformats.org/drawingml/2006/main" name="Office Theme">
   <a:themeElements>
